--- a/Smartlearning.dk/IT-sikkerhed - webinar 3.pptx
+++ b/Smartlearning.dk/IT-sikkerhed - webinar 3.pptx
@@ -265,7 +265,7 @@
           <a:p>
             <a:fld id="{6F256002-ADEE-4263-850E-FD89B90CE860}" type="datetimeFigureOut">
               <a:rPr lang="da-DK" smtClean="0"/>
-              <a:t>08-11-2016</a:t>
+              <a:t>15-11-2016</a:t>
             </a:fld>
             <a:endParaRPr lang="da-DK"/>
           </a:p>
@@ -476,7 +476,7 @@
           <a:p>
             <a:fld id="{6F256002-ADEE-4263-850E-FD89B90CE860}" type="datetimeFigureOut">
               <a:rPr lang="da-DK" smtClean="0"/>
-              <a:t>08-11-2016</a:t>
+              <a:t>15-11-2016</a:t>
             </a:fld>
             <a:endParaRPr lang="da-DK"/>
           </a:p>
@@ -691,7 +691,7 @@
           <a:p>
             <a:fld id="{6F256002-ADEE-4263-850E-FD89B90CE860}" type="datetimeFigureOut">
               <a:rPr lang="da-DK" smtClean="0"/>
-              <a:t>08-11-2016</a:t>
+              <a:t>15-11-2016</a:t>
             </a:fld>
             <a:endParaRPr lang="da-DK"/>
           </a:p>
@@ -892,7 +892,7 @@
           <a:p>
             <a:fld id="{6F256002-ADEE-4263-850E-FD89B90CE860}" type="datetimeFigureOut">
               <a:rPr lang="da-DK" smtClean="0"/>
-              <a:t>08-11-2016</a:t>
+              <a:t>15-11-2016</a:t>
             </a:fld>
             <a:endParaRPr lang="da-DK"/>
           </a:p>
@@ -1171,7 +1171,7 @@
           <a:p>
             <a:fld id="{6F256002-ADEE-4263-850E-FD89B90CE860}" type="datetimeFigureOut">
               <a:rPr lang="da-DK" smtClean="0"/>
-              <a:t>08-11-2016</a:t>
+              <a:t>15-11-2016</a:t>
             </a:fld>
             <a:endParaRPr lang="da-DK"/>
           </a:p>
@@ -1439,7 +1439,7 @@
           <a:p>
             <a:fld id="{6F256002-ADEE-4263-850E-FD89B90CE860}" type="datetimeFigureOut">
               <a:rPr lang="da-DK" smtClean="0"/>
-              <a:t>08-11-2016</a:t>
+              <a:t>15-11-2016</a:t>
             </a:fld>
             <a:endParaRPr lang="da-DK"/>
           </a:p>
@@ -1855,7 +1855,7 @@
           <a:p>
             <a:fld id="{6F256002-ADEE-4263-850E-FD89B90CE860}" type="datetimeFigureOut">
               <a:rPr lang="da-DK" smtClean="0"/>
-              <a:t>08-11-2016</a:t>
+              <a:t>15-11-2016</a:t>
             </a:fld>
             <a:endParaRPr lang="da-DK"/>
           </a:p>
@@ -2004,7 +2004,7 @@
           <a:p>
             <a:fld id="{6F256002-ADEE-4263-850E-FD89B90CE860}" type="datetimeFigureOut">
               <a:rPr lang="da-DK" smtClean="0"/>
-              <a:t>08-11-2016</a:t>
+              <a:t>15-11-2016</a:t>
             </a:fld>
             <a:endParaRPr lang="da-DK"/>
           </a:p>
@@ -2130,7 +2130,7 @@
           <a:p>
             <a:fld id="{6F256002-ADEE-4263-850E-FD89B90CE860}" type="datetimeFigureOut">
               <a:rPr lang="da-DK" smtClean="0"/>
-              <a:t>08-11-2016</a:t>
+              <a:t>15-11-2016</a:t>
             </a:fld>
             <a:endParaRPr lang="da-DK"/>
           </a:p>
@@ -2381,7 +2381,7 @@
           <a:p>
             <a:fld id="{6F256002-ADEE-4263-850E-FD89B90CE860}" type="datetimeFigureOut">
               <a:rPr lang="da-DK" smtClean="0"/>
-              <a:t>08-11-2016</a:t>
+              <a:t>15-11-2016</a:t>
             </a:fld>
             <a:endParaRPr lang="da-DK"/>
           </a:p>
@@ -2826,7 +2826,7 @@
           <a:p>
             <a:fld id="{6F256002-ADEE-4263-850E-FD89B90CE860}" type="datetimeFigureOut">
               <a:rPr lang="da-DK" smtClean="0"/>
-              <a:t>08-11-2016</a:t>
+              <a:t>15-11-2016</a:t>
             </a:fld>
             <a:endParaRPr lang="da-DK"/>
           </a:p>
@@ -3152,7 +3152,7 @@
           <a:p>
             <a:fld id="{6F256002-ADEE-4263-850E-FD89B90CE860}" type="datetimeFigureOut">
               <a:rPr lang="da-DK" smtClean="0"/>
-              <a:t>08-11-2016</a:t>
+              <a:t>15-11-2016</a:t>
             </a:fld>
             <a:endParaRPr lang="da-DK"/>
           </a:p>

--- a/Smartlearning.dk/IT-sikkerhed - webinar 3.pptx
+++ b/Smartlearning.dk/IT-sikkerhed - webinar 3.pptx
@@ -18,8 +18,8 @@
     <p:sldId id="266" r:id="rId12"/>
     <p:sldId id="267" r:id="rId13"/>
     <p:sldId id="268" r:id="rId14"/>
-    <p:sldId id="270" r:id="rId15"/>
-    <p:sldId id="269" r:id="rId16"/>
+    <p:sldId id="269" r:id="rId15"/>
+    <p:sldId id="270" r:id="rId16"/>
   </p:sldIdLst>
   <p:sldSz cx="12192000" cy="6858000"/>
   <p:notesSz cx="6858000" cy="9144000"/>
@@ -265,7 +265,7 @@
           <a:p>
             <a:fld id="{6F256002-ADEE-4263-850E-FD89B90CE860}" type="datetimeFigureOut">
               <a:rPr lang="da-DK" smtClean="0"/>
-              <a:t>15-11-2016</a:t>
+              <a:t>22-11-2016</a:t>
             </a:fld>
             <a:endParaRPr lang="da-DK"/>
           </a:p>
@@ -476,7 +476,7 @@
           <a:p>
             <a:fld id="{6F256002-ADEE-4263-850E-FD89B90CE860}" type="datetimeFigureOut">
               <a:rPr lang="da-DK" smtClean="0"/>
-              <a:t>15-11-2016</a:t>
+              <a:t>22-11-2016</a:t>
             </a:fld>
             <a:endParaRPr lang="da-DK"/>
           </a:p>
@@ -691,7 +691,7 @@
           <a:p>
             <a:fld id="{6F256002-ADEE-4263-850E-FD89B90CE860}" type="datetimeFigureOut">
               <a:rPr lang="da-DK" smtClean="0"/>
-              <a:t>15-11-2016</a:t>
+              <a:t>22-11-2016</a:t>
             </a:fld>
             <a:endParaRPr lang="da-DK"/>
           </a:p>
@@ -892,7 +892,7 @@
           <a:p>
             <a:fld id="{6F256002-ADEE-4263-850E-FD89B90CE860}" type="datetimeFigureOut">
               <a:rPr lang="da-DK" smtClean="0"/>
-              <a:t>15-11-2016</a:t>
+              <a:t>22-11-2016</a:t>
             </a:fld>
             <a:endParaRPr lang="da-DK"/>
           </a:p>
@@ -1171,7 +1171,7 @@
           <a:p>
             <a:fld id="{6F256002-ADEE-4263-850E-FD89B90CE860}" type="datetimeFigureOut">
               <a:rPr lang="da-DK" smtClean="0"/>
-              <a:t>15-11-2016</a:t>
+              <a:t>22-11-2016</a:t>
             </a:fld>
             <a:endParaRPr lang="da-DK"/>
           </a:p>
@@ -1439,7 +1439,7 @@
           <a:p>
             <a:fld id="{6F256002-ADEE-4263-850E-FD89B90CE860}" type="datetimeFigureOut">
               <a:rPr lang="da-DK" smtClean="0"/>
-              <a:t>15-11-2016</a:t>
+              <a:t>22-11-2016</a:t>
             </a:fld>
             <a:endParaRPr lang="da-DK"/>
           </a:p>
@@ -1855,7 +1855,7 @@
           <a:p>
             <a:fld id="{6F256002-ADEE-4263-850E-FD89B90CE860}" type="datetimeFigureOut">
               <a:rPr lang="da-DK" smtClean="0"/>
-              <a:t>15-11-2016</a:t>
+              <a:t>22-11-2016</a:t>
             </a:fld>
             <a:endParaRPr lang="da-DK"/>
           </a:p>
@@ -2004,7 +2004,7 @@
           <a:p>
             <a:fld id="{6F256002-ADEE-4263-850E-FD89B90CE860}" type="datetimeFigureOut">
               <a:rPr lang="da-DK" smtClean="0"/>
-              <a:t>15-11-2016</a:t>
+              <a:t>22-11-2016</a:t>
             </a:fld>
             <a:endParaRPr lang="da-DK"/>
           </a:p>
@@ -2130,7 +2130,7 @@
           <a:p>
             <a:fld id="{6F256002-ADEE-4263-850E-FD89B90CE860}" type="datetimeFigureOut">
               <a:rPr lang="da-DK" smtClean="0"/>
-              <a:t>15-11-2016</a:t>
+              <a:t>22-11-2016</a:t>
             </a:fld>
             <a:endParaRPr lang="da-DK"/>
           </a:p>
@@ -2381,7 +2381,7 @@
           <a:p>
             <a:fld id="{6F256002-ADEE-4263-850E-FD89B90CE860}" type="datetimeFigureOut">
               <a:rPr lang="da-DK" smtClean="0"/>
-              <a:t>15-11-2016</a:t>
+              <a:t>22-11-2016</a:t>
             </a:fld>
             <a:endParaRPr lang="da-DK"/>
           </a:p>
@@ -2826,7 +2826,7 @@
           <a:p>
             <a:fld id="{6F256002-ADEE-4263-850E-FD89B90CE860}" type="datetimeFigureOut">
               <a:rPr lang="da-DK" smtClean="0"/>
-              <a:t>15-11-2016</a:t>
+              <a:t>22-11-2016</a:t>
             </a:fld>
             <a:endParaRPr lang="da-DK"/>
           </a:p>
@@ -3152,7 +3152,7 @@
           <a:p>
             <a:fld id="{6F256002-ADEE-4263-850E-FD89B90CE860}" type="datetimeFigureOut">
               <a:rPr lang="da-DK" smtClean="0"/>
-              <a:t>15-11-2016</a:t>
+              <a:t>22-11-2016</a:t>
             </a:fld>
             <a:endParaRPr lang="da-DK"/>
           </a:p>
@@ -4232,36 +4232,64 @@
           <a:lstStyle/>
           <a:p>
             <a:r>
+              <a:rPr lang="da-DK" dirty="0"/>
+              <a:t>Nogle generelle råd</a:t>
+            </a:r>
+          </a:p>
+        </p:txBody>
+      </p:sp>
+      <p:sp>
+        <p:nvSpPr>
+          <p:cNvPr id="3" name="Pladsholder til indhold 2"/>
+          <p:cNvSpPr>
+            <a:spLocks noGrp="1"/>
+          </p:cNvSpPr>
+          <p:nvPr>
+            <p:ph idx="1"/>
+          </p:nvPr>
+        </p:nvSpPr>
+        <p:spPr/>
+        <p:txBody>
+          <a:bodyPr/>
+          <a:lstStyle/>
+          <a:p>
+            <a:r>
+              <a:rPr lang="da-DK" dirty="0"/>
+              <a:t>Sørg for at alle systemer er opdaterede, men der kan dog være ræson i at teste </a:t>
+            </a:r>
+            <a:r>
               <a:rPr lang="da-DK" dirty="0" err="1"/>
-              <a:t>wireshark</a:t>
-            </a:r>
-            <a:endParaRPr lang="da-DK" dirty="0"/>
-          </a:p>
-        </p:txBody>
-      </p:sp>
-      <p:sp>
-        <p:nvSpPr>
-          <p:cNvPr id="3" name="Pladsholder til indhold 2"/>
-          <p:cNvSpPr>
-            <a:spLocks noGrp="1"/>
-          </p:cNvSpPr>
-          <p:nvPr>
-            <p:ph idx="1"/>
-          </p:nvPr>
-        </p:nvSpPr>
-        <p:spPr/>
-        <p:txBody>
-          <a:bodyPr/>
-          <a:lstStyle/>
-          <a:p>
-            <a:endParaRPr lang="da-DK"/>
+              <a:t>updates</a:t>
+            </a:r>
+            <a:r>
+              <a:rPr lang="da-DK" dirty="0"/>
+              <a:t> inden man ruller dem ud. </a:t>
+            </a:r>
+          </a:p>
+          <a:p>
+            <a:r>
+              <a:rPr lang="da-DK" dirty="0"/>
+              <a:t>Hold jer opdaterede med nye sikkerhedstrusler – algoritmer og standarder ændrer sig, det der var sikkert sidste år er måske hullet som en si nu. </a:t>
+            </a:r>
+          </a:p>
+          <a:p>
+            <a:r>
+              <a:rPr lang="da-DK" dirty="0"/>
+              <a:t>Review løbende at alle systemer lever op til de sikkerhedsregler der er formuleret i jeres organisation. </a:t>
+            </a:r>
+          </a:p>
+          <a:p>
+            <a:r>
+              <a:rPr lang="da-DK" dirty="0"/>
+              <a:t>Det kan være en god idé at teste at systemer faktisk er konfigurerede som man forventer det. Lukker firewallen fx kun den ønskede trafik igennem?</a:t>
+            </a:r>
           </a:p>
         </p:txBody>
       </p:sp>
     </p:spTree>
     <p:extLst>
       <p:ext uri="{BB962C8B-B14F-4D97-AF65-F5344CB8AC3E}">
-        <p14:creationId xmlns:p14="http://schemas.microsoft.com/office/powerpoint/2010/main" val="3828105463"/>
+        <p14:creationId xmlns:p14="http://schemas.microsoft.com/office/powerpoint/2010/main" val="3676255151"/>
       </p:ext>
     </p:extLst>
   </p:cSld>
@@ -4305,7 +4333,7 @@
           <a:p>
             <a:r>
               <a:rPr lang="da-DK" dirty="0"/>
-              <a:t>Nogle generelle råd</a:t>
+              <a:t>Spørgsmål</a:t>
             </a:r>
           </a:p>
         </p:txBody>
@@ -4326,42 +4354,17 @@
           <a:lstStyle/>
           <a:p>
             <a:r>
-              <a:rPr lang="da-DK" dirty="0"/>
-              <a:t>Sørg for at alle systemer er opdaterede, men der kan dog være ræson i at teste </a:t>
-            </a:r>
-            <a:r>
-              <a:rPr lang="da-DK" dirty="0" err="1"/>
-              <a:t>updates</a:t>
-            </a:r>
-            <a:r>
-              <a:rPr lang="da-DK" dirty="0"/>
-              <a:t> inden man ruller dem ud. </a:t>
-            </a:r>
-          </a:p>
-          <a:p>
-            <a:r>
-              <a:rPr lang="da-DK" dirty="0"/>
-              <a:t>Hold jer opdaterede med nye sikkerhedstrusler – algoritmer og standarder ændrer sig, det der var sikkert sidste år er måske hullet som en si nu. </a:t>
-            </a:r>
-          </a:p>
-          <a:p>
-            <a:r>
-              <a:rPr lang="da-DK" dirty="0"/>
-              <a:t>Review løbende at alle systemer lever op til de sikkerhedsregler der er formuleret i jeres organisation. </a:t>
-            </a:r>
-          </a:p>
-          <a:p>
-            <a:r>
-              <a:rPr lang="da-DK" dirty="0"/>
-              <a:t>Det kan være en god idé at teste at systemer faktisk er konfigurerede som man forventer det. Lukker firewallen fx kun den ønskede trafik igennem?</a:t>
-            </a:r>
+              <a:rPr lang="da-DK"/>
+              <a:t>Tak for jeres tid!</a:t>
+            </a:r>
+            <a:endParaRPr lang="da-DK" dirty="0"/>
           </a:p>
         </p:txBody>
       </p:sp>
     </p:spTree>
     <p:extLst>
       <p:ext uri="{BB962C8B-B14F-4D97-AF65-F5344CB8AC3E}">
-        <p14:creationId xmlns:p14="http://schemas.microsoft.com/office/powerpoint/2010/main" val="3676255151"/>
+        <p14:creationId xmlns:p14="http://schemas.microsoft.com/office/powerpoint/2010/main" val="1186608415"/>
       </p:ext>
     </p:extLst>
   </p:cSld>
@@ -4629,7 +4632,7 @@
             </a:r>
             <a:r>
               <a:rPr lang="da-DK" dirty="0"/>
-              <a:t> Security og er et lag man kan lægge over HTTP, så man får HTTPS – kan I gætte hvad S’et står for? </a:t>
+              <a:t> Security og er et lag man kan lægge over HTTP,  så man får HTTPS – kan I gætte hvad S’et står for? </a:t>
             </a:r>
             <a:r>
               <a:rPr lang="da-DK" dirty="0">
